--- a/Presentacion.pptx
+++ b/Presentacion.pptx
@@ -474,7 +474,7 @@
             <a:fld id="{5923F103-BC34-4FE4-A40E-EDDEECFDA5D0}" type="datetimeFigureOut">
               <a:rPr lang="en-US" dirty="0"/>
               <a:pPr/>
-              <a:t>3/7/2018</a:t>
+              <a:t>3/8/2018</a:t>
             </a:fld>
             <a:endParaRPr lang="en-US" dirty="0"/>
           </a:p>
@@ -1562,7 +1562,7 @@
           <a:p>
             <a:fld id="{923A1CC3-2375-41D4-9E03-427CAF2A4C1A}" type="datetimeFigureOut">
               <a:rPr lang="en-US" dirty="0"/>
-              <a:t>3/7/2018</a:t>
+              <a:t>3/8/2018</a:t>
             </a:fld>
             <a:endParaRPr lang="en-US" dirty="0"/>
           </a:p>
@@ -2542,7 +2542,7 @@
           <a:p>
             <a:fld id="{AFF16868-8199-4C2C-A5B1-63AEE139F88E}" type="datetimeFigureOut">
               <a:rPr lang="en-US" dirty="0"/>
-              <a:t>3/7/2018</a:t>
+              <a:t>3/8/2018</a:t>
             </a:fld>
             <a:endParaRPr lang="en-US" dirty="0"/>
           </a:p>
@@ -3676,7 +3676,7 @@
           <a:p>
             <a:fld id="{AAD9FF7F-6988-44CC-821B-644E70CD2F73}" type="datetimeFigureOut">
               <a:rPr lang="en-US" dirty="0"/>
-              <a:t>3/7/2018</a:t>
+              <a:t>3/8/2018</a:t>
             </a:fld>
             <a:endParaRPr lang="en-US" dirty="0"/>
           </a:p>
@@ -4709,7 +4709,7 @@
           <a:p>
             <a:fld id="{5C12C299-16B2-4475-990D-751901EACC14}" type="datetimeFigureOut">
               <a:rPr lang="en-US" dirty="0"/>
-              <a:t>3/7/2018</a:t>
+              <a:t>3/8/2018</a:t>
             </a:fld>
             <a:endParaRPr lang="en-US" dirty="0"/>
           </a:p>
@@ -5369,7 +5369,7 @@
           <a:p>
             <a:fld id="{9FE86839-B9D8-4651-8783-F325ECE74E65}" type="datetimeFigureOut">
               <a:rPr lang="en-US" dirty="0"/>
-              <a:t>3/7/2018</a:t>
+              <a:t>3/8/2018</a:t>
             </a:fld>
             <a:endParaRPr lang="en-US" dirty="0"/>
           </a:p>
@@ -6230,7 +6230,7 @@
           <a:p>
             <a:fld id="{FD484F64-32F6-45C5-931F-ADC1662401D0}" type="datetimeFigureOut">
               <a:rPr lang="en-US" dirty="0"/>
-              <a:t>3/7/2018</a:t>
+              <a:t>3/8/2018</a:t>
             </a:fld>
             <a:endParaRPr lang="en-US" dirty="0"/>
           </a:p>
@@ -6420,7 +6420,7 @@
           <a:p>
             <a:fld id="{53086D93-FCAC-47E0-A2EE-787E62CA814C}" type="datetimeFigureOut">
               <a:rPr lang="en-US" dirty="0"/>
-              <a:t>3/7/2018</a:t>
+              <a:t>3/8/2018</a:t>
             </a:fld>
             <a:endParaRPr lang="en-US" dirty="0"/>
           </a:p>
@@ -7392,7 +7392,7 @@
           <a:p>
             <a:fld id="{CDA879A6-0FD0-4734-A311-86BFCA472E6E}" type="datetimeFigureOut">
               <a:rPr lang="en-US" dirty="0"/>
-              <a:t>3/7/2018</a:t>
+              <a:t>3/8/2018</a:t>
             </a:fld>
             <a:endParaRPr lang="en-US" dirty="0"/>
           </a:p>
@@ -7603,7 +7603,7 @@
           <a:p>
             <a:fld id="{19C9CA7B-DFD4-44B5-8C60-D14B8CD1FB59}" type="datetimeFigureOut">
               <a:rPr lang="en-US" dirty="0"/>
-              <a:t>3/7/2018</a:t>
+              <a:t>3/8/2018</a:t>
             </a:fld>
             <a:endParaRPr lang="en-US" dirty="0"/>
           </a:p>
@@ -8637,7 +8637,7 @@
           <a:p>
             <a:fld id="{F34E6425-0181-43F2-84FC-787E803FD2F8}" type="datetimeFigureOut">
               <a:rPr lang="en-US" dirty="0"/>
-              <a:t>3/7/2018</a:t>
+              <a:t>3/8/2018</a:t>
             </a:fld>
             <a:endParaRPr lang="en-US" dirty="0"/>
           </a:p>
@@ -8909,7 +8909,7 @@
           <a:p>
             <a:fld id="{3BDB8791-F1B0-41E7-B7FD-A781E65C4266}" type="datetimeFigureOut">
               <a:rPr lang="en-US" dirty="0"/>
-              <a:t>3/7/2018</a:t>
+              <a:t>3/8/2018</a:t>
             </a:fld>
             <a:endParaRPr lang="en-US" dirty="0"/>
           </a:p>
@@ -9319,7 +9319,7 @@
           <a:p>
             <a:fld id="{5FDD63B2-E120-4ED8-B27B-C685F510A5FE}" type="datetimeFigureOut">
               <a:rPr lang="en-US" dirty="0"/>
-              <a:t>3/7/2018</a:t>
+              <a:t>3/8/2018</a:t>
             </a:fld>
             <a:endParaRPr lang="en-US" dirty="0"/>
           </a:p>
@@ -9446,7 +9446,7 @@
           <a:p>
             <a:fld id="{7AA18ACC-A947-437B-A130-35BD54FDF1E9}" type="datetimeFigureOut">
               <a:rPr lang="en-US" dirty="0"/>
-              <a:t>3/7/2018</a:t>
+              <a:t>3/8/2018</a:t>
             </a:fld>
             <a:endParaRPr lang="en-US" dirty="0"/>
           </a:p>
@@ -9541,7 +9541,7 @@
           <a:p>
             <a:fld id="{7C8D7E02-BCB8-4D50-A234-369438C08659}" type="datetimeFigureOut">
               <a:rPr lang="en-US" dirty="0"/>
-              <a:t>3/7/2018</a:t>
+              <a:t>3/8/2018</a:t>
             </a:fld>
             <a:endParaRPr lang="en-US" dirty="0"/>
           </a:p>
@@ -10622,7 +10622,7 @@
           <a:p>
             <a:fld id="{76E86A4C-8E40-4F87-A4F0-01A0687C5742}" type="datetimeFigureOut">
               <a:rPr lang="en-US" dirty="0"/>
-              <a:t>3/7/2018</a:t>
+              <a:t>3/8/2018</a:t>
             </a:fld>
             <a:endParaRPr lang="en-US" dirty="0"/>
           </a:p>
@@ -11730,7 +11730,7 @@
           <a:p>
             <a:fld id="{35E72C73-2D91-4E12-BA25-F0AA0C03599B}" type="datetimeFigureOut">
               <a:rPr lang="en-US" dirty="0"/>
-              <a:t>3/7/2018</a:t>
+              <a:t>3/8/2018</a:t>
             </a:fld>
             <a:endParaRPr lang="en-US" dirty="0"/>
           </a:p>
@@ -12727,7 +12727,7 @@
           <a:p>
             <a:fld id="{2BE451C3-0FF4-47C4-B829-773ADF60F88C}" type="datetimeFigureOut">
               <a:rPr lang="en-US" dirty="0"/>
-              <a:t>3/7/2018</a:t>
+              <a:t>3/8/2018</a:t>
             </a:fld>
             <a:endParaRPr lang="en-US" dirty="0"/>
           </a:p>
@@ -13744,8 +13744,8 @@
           </a:p>
         </p:txBody>
       </p:sp>
-      <mc:AlternateContent xmlns:mc="http://schemas.openxmlformats.org/markup-compatibility/2006" xmlns:a14="http://schemas.microsoft.com/office/drawing/2010/main">
-        <mc:Choice Requires="a14">
+      <mc:AlternateContent xmlns:mc="http://schemas.openxmlformats.org/markup-compatibility/2006">
+        <mc:Choice xmlns:a14="http://schemas.microsoft.com/office/drawing/2010/main" Requires="a14">
           <p:sp>
             <p:nvSpPr>
               <p:cNvPr id="3" name="Marcador de contenido 2">
@@ -13764,8 +13764,8 @@
             </p:nvSpPr>
             <p:spPr>
               <a:xfrm>
-                <a:off x="1154954" y="2603500"/>
-                <a:ext cx="8825659" cy="3416300"/>
+                <a:off x="1154954" y="2318994"/>
+                <a:ext cx="8825659" cy="2837468"/>
               </a:xfrm>
             </p:spPr>
             <p:txBody>
@@ -13839,7 +13839,7 @@
                         <a:rPr lang="en-US" sz="1600" b="0" i="1" smtClean="0">
                           <a:latin typeface="Cambria Math" panose="02040503050406030204" pitchFamily="18" charset="0"/>
                         </a:rPr>
-                        <m:t>=0.9=</m:t>
+                        <m:t>=</m:t>
                       </m:r>
                       <m:f>
                         <m:fPr>
@@ -14115,10 +14115,22 @@
                             <m:t>(</m:t>
                           </m:r>
                           <m:r>
-                            <a:rPr lang="en-US" sz="1600" b="0" i="1" smtClean="0">
+                            <a:rPr lang="es-MX" sz="1600" b="1" i="1" smtClean="0">
                               <a:latin typeface="Cambria Math" panose="02040503050406030204" pitchFamily="18" charset="0"/>
                             </a:rPr>
-                            <m:t>𝑞</m:t>
+                            <m:t>𝟎</m:t>
+                          </m:r>
+                          <m:r>
+                            <a:rPr lang="es-MX" sz="1600" b="1" i="1" smtClean="0">
+                              <a:latin typeface="Cambria Math" panose="02040503050406030204" pitchFamily="18" charset="0"/>
+                            </a:rPr>
+                            <m:t>.</m:t>
+                          </m:r>
+                          <m:r>
+                            <a:rPr lang="es-MX" sz="1600" b="1" i="1" smtClean="0">
+                              <a:latin typeface="Cambria Math" panose="02040503050406030204" pitchFamily="18" charset="0"/>
+                            </a:rPr>
+                            <m:t>𝟓</m:t>
                           </m:r>
                           <m:d>
                             <m:dPr>
@@ -14159,10 +14171,22 @@
                                 <m:t>1−</m:t>
                               </m:r>
                               <m:r>
-                                <a:rPr lang="en-US" sz="1600" b="0" i="1" smtClean="0">
+                                <a:rPr lang="es-MX" sz="1600" b="1" i="1" smtClean="0">
                                   <a:latin typeface="Cambria Math" panose="02040503050406030204" pitchFamily="18" charset="0"/>
                                 </a:rPr>
-                                <m:t>𝑞</m:t>
+                                <m:t>𝟎</m:t>
+                              </m:r>
+                              <m:r>
+                                <a:rPr lang="es-MX" sz="1600" b="1" i="1" smtClean="0">
+                                  <a:latin typeface="Cambria Math" panose="02040503050406030204" pitchFamily="18" charset="0"/>
+                                </a:rPr>
+                                <m:t>.</m:t>
+                              </m:r>
+                              <m:r>
+                                <a:rPr lang="es-MX" sz="1600" b="1" i="1" smtClean="0">
+                                  <a:latin typeface="Cambria Math" panose="02040503050406030204" pitchFamily="18" charset="0"/>
+                                </a:rPr>
+                                <m:t>𝟓</m:t>
                               </m:r>
                             </m:e>
                           </m:d>
@@ -14227,10 +14251,22 @@
                                     </m:dPr>
                                     <m:e>
                                       <m:r>
-                                        <a:rPr lang="en-US" sz="1600" b="0" i="1" smtClean="0">
+                                        <a:rPr lang="es-MX" sz="1600" b="1" i="1">
                                           <a:latin typeface="Cambria Math" panose="02040503050406030204" pitchFamily="18" charset="0"/>
                                         </a:rPr>
-                                        <m:t>𝑞</m:t>
+                                        <m:t>𝟎</m:t>
+                                      </m:r>
+                                      <m:r>
+                                        <a:rPr lang="es-MX" sz="1600" b="1" i="1">
+                                          <a:latin typeface="Cambria Math" panose="02040503050406030204" pitchFamily="18" charset="0"/>
+                                        </a:rPr>
+                                        <m:t>.</m:t>
+                                      </m:r>
+                                      <m:r>
+                                        <a:rPr lang="es-MX" sz="1600" b="1" i="1">
+                                          <a:latin typeface="Cambria Math" panose="02040503050406030204" pitchFamily="18" charset="0"/>
+                                        </a:rPr>
+                                        <m:t>𝟓</m:t>
                                       </m:r>
                                       <m:d>
                                         <m:dPr>
@@ -14249,6 +14285,12 @@
                                           </m:r>
                                         </m:e>
                                       </m:d>
+                                      <m:r>
+                                        <a:rPr lang="es-MX" sz="1600" b="0" i="1" smtClean="0">
+                                          <a:latin typeface="Cambria Math" panose="02040503050406030204" pitchFamily="18" charset="0"/>
+                                        </a:rPr>
+                                        <m:t>+</m:t>
+                                      </m:r>
                                       <m:d>
                                         <m:dPr>
                                           <m:ctrlPr>
@@ -14265,10 +14307,22 @@
                                             <m:t>1−</m:t>
                                           </m:r>
                                           <m:r>
-                                            <a:rPr lang="en-US" sz="1600" b="0" i="1" smtClean="0">
+                                            <a:rPr lang="es-MX" sz="1600" b="1" i="1">
                                               <a:latin typeface="Cambria Math" panose="02040503050406030204" pitchFamily="18" charset="0"/>
                                             </a:rPr>
-                                            <m:t>𝑞</m:t>
+                                            <m:t>𝟎</m:t>
+                                          </m:r>
+                                          <m:r>
+                                            <a:rPr lang="es-MX" sz="1600" b="1" i="1">
+                                              <a:latin typeface="Cambria Math" panose="02040503050406030204" pitchFamily="18" charset="0"/>
+                                            </a:rPr>
+                                            <m:t>.</m:t>
+                                          </m:r>
+                                          <m:r>
+                                            <a:rPr lang="es-MX" sz="1600" b="1" i="1">
+                                              <a:latin typeface="Cambria Math" panose="02040503050406030204" pitchFamily="18" charset="0"/>
+                                            </a:rPr>
+                                            <m:t>𝟓</m:t>
                                           </m:r>
                                         </m:e>
                                       </m:d>
@@ -14318,10 +14372,22 @@
                             <m:t>(</m:t>
                           </m:r>
                           <m:r>
-                            <a:rPr lang="en-US" sz="1600" b="0" i="1" smtClean="0">
+                            <a:rPr lang="es-MX" sz="1600" b="1" i="1">
                               <a:latin typeface="Cambria Math" panose="02040503050406030204" pitchFamily="18" charset="0"/>
                             </a:rPr>
-                            <m:t>𝑞</m:t>
+                            <m:t>𝟎</m:t>
+                          </m:r>
+                          <m:r>
+                            <a:rPr lang="es-MX" sz="1600" b="1" i="1">
+                              <a:latin typeface="Cambria Math" panose="02040503050406030204" pitchFamily="18" charset="0"/>
+                            </a:rPr>
+                            <m:t>.</m:t>
+                          </m:r>
+                          <m:r>
+                            <a:rPr lang="es-MX" sz="1600" b="1" i="1">
+                              <a:latin typeface="Cambria Math" panose="02040503050406030204" pitchFamily="18" charset="0"/>
+                            </a:rPr>
+                            <m:t>𝟓</m:t>
                           </m:r>
                           <m:d>
                             <m:dPr>
@@ -14362,10 +14428,22 @@
                                 <m:t>1−</m:t>
                               </m:r>
                               <m:r>
-                                <a:rPr lang="en-US" sz="1600" b="0" i="1" smtClean="0">
+                                <a:rPr lang="es-MX" sz="1600" b="1" i="1">
                                   <a:latin typeface="Cambria Math" panose="02040503050406030204" pitchFamily="18" charset="0"/>
                                 </a:rPr>
-                                <m:t>𝑞</m:t>
+                                <m:t>𝟎</m:t>
+                              </m:r>
+                              <m:r>
+                                <a:rPr lang="es-MX" sz="1600" b="1" i="1">
+                                  <a:latin typeface="Cambria Math" panose="02040503050406030204" pitchFamily="18" charset="0"/>
+                                </a:rPr>
+                                <m:t>.</m:t>
+                              </m:r>
+                              <m:r>
+                                <a:rPr lang="es-MX" sz="1600" b="1" i="1">
+                                  <a:latin typeface="Cambria Math" panose="02040503050406030204" pitchFamily="18" charset="0"/>
+                                </a:rPr>
+                                <m:t>𝟓</m:t>
                               </m:r>
                             </m:e>
                           </m:d>
@@ -14447,12 +14525,6 @@
                           </m:sSub>
                         </m:e>
                       </m:acc>
-                      <m:r>
-                        <a:rPr lang="en-US" sz="1600" b="0" i="1" smtClean="0">
-                          <a:latin typeface="Cambria Math" panose="02040503050406030204" pitchFamily="18" charset="0"/>
-                        </a:rPr>
-                        <m:t>=0.5</m:t>
-                      </m:r>
                       <m:r>
                         <a:rPr lang="en-US" sz="1600" i="1">
                           <a:latin typeface="Cambria Math" panose="02040503050406030204" pitchFamily="18" charset="0"/>
@@ -14733,10 +14805,22 @@
                             <m:t>(</m:t>
                           </m:r>
                           <m:r>
-                            <a:rPr lang="en-US" sz="1600" b="0" i="1" smtClean="0">
+                            <a:rPr lang="es-MX" sz="1600" b="1" i="1" smtClean="0">
                               <a:latin typeface="Cambria Math" panose="02040503050406030204" pitchFamily="18" charset="0"/>
                             </a:rPr>
-                            <m:t>𝑝</m:t>
+                            <m:t>𝟎</m:t>
+                          </m:r>
+                          <m:r>
+                            <a:rPr lang="es-MX" sz="1600" b="1" i="1" smtClean="0">
+                              <a:latin typeface="Cambria Math" panose="02040503050406030204" pitchFamily="18" charset="0"/>
+                            </a:rPr>
+                            <m:t>.</m:t>
+                          </m:r>
+                          <m:r>
+                            <a:rPr lang="es-MX" sz="1600" b="1" i="1" smtClean="0">
+                              <a:latin typeface="Cambria Math" panose="02040503050406030204" pitchFamily="18" charset="0"/>
+                            </a:rPr>
+                            <m:t>𝟗</m:t>
                           </m:r>
                           <m:d>
                             <m:dPr>
@@ -14777,10 +14861,22 @@
                                 <m:t>1−</m:t>
                               </m:r>
                               <m:r>
-                                <a:rPr lang="en-US" sz="1600" b="0" i="1" smtClean="0">
+                                <a:rPr lang="es-MX" sz="1600" b="1" i="1" smtClean="0">
                                   <a:latin typeface="Cambria Math" panose="02040503050406030204" pitchFamily="18" charset="0"/>
                                 </a:rPr>
-                                <m:t>𝑝</m:t>
+                                <m:t>𝟎</m:t>
+                              </m:r>
+                              <m:r>
+                                <a:rPr lang="es-MX" sz="1600" b="1" i="1" smtClean="0">
+                                  <a:latin typeface="Cambria Math" panose="02040503050406030204" pitchFamily="18" charset="0"/>
+                                </a:rPr>
+                                <m:t>.</m:t>
+                              </m:r>
+                              <m:r>
+                                <a:rPr lang="es-MX" sz="1600" b="1" i="1" smtClean="0">
+                                  <a:latin typeface="Cambria Math" panose="02040503050406030204" pitchFamily="18" charset="0"/>
+                                </a:rPr>
+                                <m:t>𝟗</m:t>
                               </m:r>
                             </m:e>
                           </m:d>
@@ -14845,10 +14941,22 @@
                                     </m:dPr>
                                     <m:e>
                                       <m:r>
-                                        <a:rPr lang="en-US" sz="1600" b="0" i="1" smtClean="0">
+                                        <a:rPr lang="es-MX" sz="1600" b="1" i="1">
                                           <a:latin typeface="Cambria Math" panose="02040503050406030204" pitchFamily="18" charset="0"/>
                                         </a:rPr>
-                                        <m:t>𝑝</m:t>
+                                        <m:t>𝟎</m:t>
+                                      </m:r>
+                                      <m:r>
+                                        <a:rPr lang="es-MX" sz="1600" b="1" i="1">
+                                          <a:latin typeface="Cambria Math" panose="02040503050406030204" pitchFamily="18" charset="0"/>
+                                        </a:rPr>
+                                        <m:t>.</m:t>
+                                      </m:r>
+                                      <m:r>
+                                        <a:rPr lang="es-MX" sz="1600" b="1" i="1">
+                                          <a:latin typeface="Cambria Math" panose="02040503050406030204" pitchFamily="18" charset="0"/>
+                                        </a:rPr>
+                                        <m:t>𝟗</m:t>
                                       </m:r>
                                       <m:d>
                                         <m:dPr>
@@ -14867,6 +14975,12 @@
                                           </m:r>
                                         </m:e>
                                       </m:d>
+                                      <m:r>
+                                        <a:rPr lang="es-MX" sz="1600" b="0" i="1" smtClean="0">
+                                          <a:latin typeface="Cambria Math" panose="02040503050406030204" pitchFamily="18" charset="0"/>
+                                        </a:rPr>
+                                        <m:t>+</m:t>
+                                      </m:r>
                                       <m:d>
                                         <m:dPr>
                                           <m:ctrlPr>
@@ -14883,10 +14997,22 @@
                                             <m:t>1−</m:t>
                                           </m:r>
                                           <m:r>
-                                            <a:rPr lang="en-US" sz="1600" b="0" i="1" smtClean="0">
+                                            <a:rPr lang="es-MX" sz="1600" b="1" i="1">
                                               <a:latin typeface="Cambria Math" panose="02040503050406030204" pitchFamily="18" charset="0"/>
                                             </a:rPr>
-                                            <m:t>𝑝</m:t>
+                                            <m:t>𝟎</m:t>
+                                          </m:r>
+                                          <m:r>
+                                            <a:rPr lang="es-MX" sz="1600" b="1" i="1">
+                                              <a:latin typeface="Cambria Math" panose="02040503050406030204" pitchFamily="18" charset="0"/>
+                                            </a:rPr>
+                                            <m:t>.</m:t>
+                                          </m:r>
+                                          <m:r>
+                                            <a:rPr lang="es-MX" sz="1600" b="1" i="1">
+                                              <a:latin typeface="Cambria Math" panose="02040503050406030204" pitchFamily="18" charset="0"/>
+                                            </a:rPr>
+                                            <m:t>𝟗</m:t>
                                           </m:r>
                                         </m:e>
                                       </m:d>
@@ -14936,10 +15062,22 @@
                             <m:t>(</m:t>
                           </m:r>
                           <m:r>
-                            <a:rPr lang="en-US" sz="1600" b="0" i="1" smtClean="0">
+                            <a:rPr lang="es-MX" sz="1600" b="1" i="1">
                               <a:latin typeface="Cambria Math" panose="02040503050406030204" pitchFamily="18" charset="0"/>
                             </a:rPr>
-                            <m:t>𝑝</m:t>
+                            <m:t>𝟎</m:t>
+                          </m:r>
+                          <m:r>
+                            <a:rPr lang="es-MX" sz="1600" b="1" i="1">
+                              <a:latin typeface="Cambria Math" panose="02040503050406030204" pitchFamily="18" charset="0"/>
+                            </a:rPr>
+                            <m:t>.</m:t>
+                          </m:r>
+                          <m:r>
+                            <a:rPr lang="es-MX" sz="1600" b="1" i="1">
+                              <a:latin typeface="Cambria Math" panose="02040503050406030204" pitchFamily="18" charset="0"/>
+                            </a:rPr>
+                            <m:t>𝟗</m:t>
                           </m:r>
                           <m:d>
                             <m:dPr>
@@ -14980,10 +15118,22 @@
                                 <m:t>1−</m:t>
                               </m:r>
                               <m:r>
-                                <a:rPr lang="en-US" sz="1600" b="0" i="1" smtClean="0">
+                                <a:rPr lang="es-MX" sz="1600" b="1" i="1">
                                   <a:latin typeface="Cambria Math" panose="02040503050406030204" pitchFamily="18" charset="0"/>
                                 </a:rPr>
-                                <m:t>𝑝</m:t>
+                                <m:t>𝟎</m:t>
+                              </m:r>
+                              <m:r>
+                                <a:rPr lang="es-MX" sz="1600" b="1" i="1">
+                                  <a:latin typeface="Cambria Math" panose="02040503050406030204" pitchFamily="18" charset="0"/>
+                                </a:rPr>
+                                <m:t>.</m:t>
+                              </m:r>
+                              <m:r>
+                                <a:rPr lang="es-MX" sz="1600" b="1" i="1">
+                                  <a:latin typeface="Cambria Math" panose="02040503050406030204" pitchFamily="18" charset="0"/>
+                                </a:rPr>
+                                <m:t>𝟗</m:t>
                               </m:r>
                             </m:e>
                           </m:d>
@@ -15015,7 +15165,7 @@
             </p:txBody>
           </p:sp>
         </mc:Choice>
-        <mc:Fallback xmlns="">
+        <mc:Fallback>
           <p:sp>
             <p:nvSpPr>
               <p:cNvPr id="3" name="Marcador de contenido 2">
@@ -15034,13 +15184,13 @@
             </p:nvSpPr>
             <p:spPr>
               <a:xfrm>
-                <a:off x="1154954" y="2603500"/>
-                <a:ext cx="8825659" cy="3416300"/>
+                <a:off x="1154954" y="2318994"/>
+                <a:ext cx="8825659" cy="2837468"/>
               </a:xfrm>
               <a:blipFill>
                 <a:blip r:embed="rId2"/>
                 <a:stretch>
-                  <a:fillRect l="-138" t="-891" r="-622"/>
+                  <a:fillRect l="-138" t="-1073" r="-622"/>
                 </a:stretch>
               </a:blipFill>
             </p:spPr>
@@ -15439,13 +15589,13 @@
             <p:ph idx="1"/>
             <p:extLst>
               <p:ext uri="{D42A27DB-BD31-4B8C-83A1-F6EECF244321}">
-                <p14:modId xmlns:p14="http://schemas.microsoft.com/office/powerpoint/2010/main" val="2280336300"/>
+                <p14:modId xmlns:p14="http://schemas.microsoft.com/office/powerpoint/2010/main" val="3792333222"/>
               </p:ext>
             </p:extLst>
           </p:nvPr>
         </p:nvGraphicFramePr>
         <p:xfrm>
-          <a:off x="1155700" y="2603500"/>
+          <a:off x="1683543" y="2999426"/>
           <a:ext cx="8824914" cy="1920240"/>
         </p:xfrm>
         <a:graphic>
@@ -15484,7 +15634,10 @@
                     <a:lstStyle/>
                     <a:p>
                       <a:pPr algn="just"/>
-                      <a:endParaRPr lang="en-US" noProof="0" dirty="0"/>
+                      <a:r>
+                        <a:rPr lang="en-US" noProof="0" dirty="0"/>
+                        <a:t>Design</a:t>
+                      </a:r>
                     </a:p>
                   </a:txBody>
                   <a:tcPr/>
@@ -15544,7 +15697,7 @@
                     <a:lstStyle/>
                     <a:p>
                       <a:pPr algn="just"/>
-                      <a:endParaRPr lang="en-US" noProof="0"/>
+                      <a:endParaRPr lang="en-US" noProof="0" dirty="0"/>
                     </a:p>
                   </a:txBody>
                   <a:tcPr/>
@@ -15602,6 +15755,10 @@
                     <a:lstStyle/>
                     <a:p>
                       <a:pPr algn="just"/>
+                      <a:r>
+                        <a:rPr lang="en-US" noProof="0" dirty="0" err="1"/>
+                        <a:t>Hierarquical</a:t>
+                      </a:r>
                       <a:endParaRPr lang="en-US" noProof="0" dirty="0"/>
                     </a:p>
                   </a:txBody>
@@ -15736,8 +15893,8 @@
           </a:prstGeom>
         </p:spPr>
       </p:pic>
-      <mc:AlternateContent xmlns:mc="http://schemas.openxmlformats.org/markup-compatibility/2006">
-        <mc:Choice xmlns:a14="http://schemas.microsoft.com/office/drawing/2010/main" Requires="a14">
+      <mc:AlternateContent xmlns:mc="http://schemas.openxmlformats.org/markup-compatibility/2006" xmlns:a14="http://schemas.microsoft.com/office/drawing/2010/main">
+        <mc:Choice Requires="a14">
           <p:sp>
             <p:nvSpPr>
               <p:cNvPr id="6" name="CuadroTexto 5">
@@ -15931,7 +16088,7 @@
             </p:txBody>
           </p:sp>
         </mc:Choice>
-        <mc:Fallback>
+        <mc:Fallback xmlns="">
           <p:sp>
             <p:nvSpPr>
               <p:cNvPr id="6" name="CuadroTexto 5">
@@ -17648,8 +17805,8 @@
           </a:p>
         </p:txBody>
       </p:sp>
-      <mc:AlternateContent xmlns:mc="http://schemas.openxmlformats.org/markup-compatibility/2006">
-        <mc:Choice xmlns:a14="http://schemas.microsoft.com/office/drawing/2010/main" Requires="a14">
+      <mc:AlternateContent xmlns:mc="http://schemas.openxmlformats.org/markup-compatibility/2006" xmlns:a14="http://schemas.microsoft.com/office/drawing/2010/main">
+        <mc:Choice Requires="a14">
           <p:sp>
             <p:nvSpPr>
               <p:cNvPr id="3" name="Marcador de contenido 2">
@@ -17951,7 +18108,7 @@
             </p:txBody>
           </p:sp>
         </mc:Choice>
-        <mc:Fallback>
+        <mc:Fallback xmlns="">
           <p:sp>
             <p:nvSpPr>
               <p:cNvPr id="3" name="Marcador de contenido 2">
@@ -20973,8 +21130,8 @@
           </a:p>
         </p:txBody>
       </p:sp>
-      <mc:AlternateContent xmlns:mc="http://schemas.openxmlformats.org/markup-compatibility/2006">
-        <mc:Choice xmlns:a14="http://schemas.microsoft.com/office/drawing/2010/main" Requires="a14">
+      <mc:AlternateContent xmlns:mc="http://schemas.openxmlformats.org/markup-compatibility/2006" xmlns:a14="http://schemas.microsoft.com/office/drawing/2010/main">
+        <mc:Choice Requires="a14">
           <p:sp>
             <p:nvSpPr>
               <p:cNvPr id="4" name="Marcador de contenido 3">
@@ -21221,7 +21378,7 @@
             </p:txBody>
           </p:sp>
         </mc:Choice>
-        <mc:Fallback>
+        <mc:Fallback xmlns="">
           <p:sp>
             <p:nvSpPr>
               <p:cNvPr id="4" name="Marcador de contenido 3">
@@ -21261,8 +21418,8 @@
           </p:sp>
         </mc:Fallback>
       </mc:AlternateContent>
-      <mc:AlternateContent xmlns:mc="http://schemas.openxmlformats.org/markup-compatibility/2006">
-        <mc:Choice xmlns:a14="http://schemas.microsoft.com/office/drawing/2010/main" Requires="a14">
+      <mc:AlternateContent xmlns:mc="http://schemas.openxmlformats.org/markup-compatibility/2006" xmlns:a14="http://schemas.microsoft.com/office/drawing/2010/main">
+        <mc:Choice Requires="a14">
           <p:sp>
             <p:nvSpPr>
               <p:cNvPr id="5" name="Marcador de contenido 4">
@@ -21493,7 +21650,7 @@
             </p:txBody>
           </p:sp>
         </mc:Choice>
-        <mc:Fallback>
+        <mc:Fallback xmlns="">
           <p:sp>
             <p:nvSpPr>
               <p:cNvPr id="5" name="Marcador de contenido 4">
@@ -22022,7 +22179,7 @@
             </a:r>
           </a:p>
           <a:p>
-            <a:pPr lvl="1" algn="just"/>
+            <a:pPr lvl="2" algn="just"/>
             <a:r>
               <a:rPr lang="en-US" dirty="0"/>
               <a:t>Utility</a:t>
@@ -22107,8 +22264,8 @@
         </p:nvSpPr>
         <p:spPr>
           <a:xfrm>
-            <a:off x="1154954" y="2603500"/>
-            <a:ext cx="8825659" cy="4254500"/>
+            <a:off x="1154954" y="2234153"/>
+            <a:ext cx="8825659" cy="4623847"/>
           </a:xfrm>
         </p:spPr>
         <p:txBody>
@@ -22460,7 +22617,7 @@
         </p:blipFill>
         <p:spPr bwMode="auto">
           <a:xfrm>
-            <a:off x="765489" y="2983138"/>
+            <a:off x="1893507" y="4982625"/>
             <a:ext cx="4762500" cy="1381125"/>
           </a:xfrm>
           <a:prstGeom prst="rect">
@@ -22507,7 +22664,7 @@
         </p:blipFill>
         <p:spPr bwMode="auto">
           <a:xfrm>
-            <a:off x="796543" y="4794826"/>
+            <a:off x="837474" y="3322418"/>
             <a:ext cx="6657975" cy="1228725"/>
           </a:xfrm>
           <a:prstGeom prst="rect">
@@ -22556,7 +22713,7 @@
             <a:pPr algn="just"/>
             <a:r>
               <a:rPr lang="en-US" dirty="0"/>
-              <a:t>In the bottom panel we can see the possible best responses for a 2x2 game.</a:t>
+              <a:t>In the top panel we can see the possible best responses for a 2x2 game.</a:t>
             </a:r>
           </a:p>
           <a:p>
@@ -22567,7 +22724,7 @@
             <a:pPr algn="just"/>
             <a:r>
               <a:rPr lang="en-US" dirty="0"/>
-              <a:t>In the panel shown above, we see how an equilibrium is determined: first we consider one player’s best response relation, then the other player’s, and finally we impose one above the other. The intersection between best responses is a Nash Equilibrium</a:t>
+              <a:t>In the panel shown below, we see how an equilibrium is determined: first we consider one player’s best response relation, then the other player’s, and finally we impose one above the other. The intersection between best responses is a Nash Equilibrium</a:t>
             </a:r>
           </a:p>
         </p:txBody>
@@ -22651,8 +22808,8 @@
             </p:nvSpPr>
             <p:spPr>
               <a:xfrm>
-                <a:off x="1154954" y="2603500"/>
-                <a:ext cx="8825659" cy="3416300"/>
+                <a:off x="1154955" y="2603500"/>
+                <a:ext cx="8290704" cy="3416300"/>
               </a:xfrm>
             </p:spPr>
             <p:txBody>
@@ -23026,13 +23183,13 @@
             </p:nvSpPr>
             <p:spPr>
               <a:xfrm>
-                <a:off x="1154954" y="2603500"/>
-                <a:ext cx="8825659" cy="3416300"/>
+                <a:off x="1154955" y="2603500"/>
+                <a:ext cx="8290704" cy="3416300"/>
               </a:xfrm>
               <a:blipFill>
                 <a:blip r:embed="rId2"/>
                 <a:stretch>
-                  <a:fillRect l="-552" t="-891" r="-622"/>
+                  <a:fillRect l="-588" t="-891" r="-662"/>
                 </a:stretch>
               </a:blipFill>
             </p:spPr>
@@ -23041,7 +23198,7 @@
               <a:lstStyle/>
               <a:p>
                 <a:r>
-                  <a:rPr lang="en-US">
+                  <a:rPr lang="es-MX">
                     <a:noFill/>
                   </a:rPr>
                   <a:t> </a:t>
@@ -23583,8 +23740,8 @@
           </a:p>
         </p:txBody>
       </p:sp>
-      <mc:AlternateContent xmlns:mc="http://schemas.openxmlformats.org/markup-compatibility/2006" xmlns:a14="http://schemas.microsoft.com/office/drawing/2010/main">
-        <mc:Choice Requires="a14">
+      <mc:AlternateContent xmlns:mc="http://schemas.openxmlformats.org/markup-compatibility/2006">
+        <mc:Choice xmlns:a14="http://schemas.microsoft.com/office/drawing/2010/main" Requires="a14">
           <p:sp>
             <p:nvSpPr>
               <p:cNvPr id="3" name="Marcador de contenido 2">
@@ -23601,7 +23758,12 @@
                 <p:ph idx="1"/>
               </p:nvPr>
             </p:nvSpPr>
-            <p:spPr/>
+            <p:spPr>
+              <a:xfrm>
+                <a:off x="1154954" y="2603500"/>
+                <a:ext cx="8825659" cy="2128756"/>
+              </a:xfrm>
+            </p:spPr>
             <p:txBody>
               <a:bodyPr/>
               <a:lstStyle/>
@@ -24882,7 +25044,7 @@
             </p:txBody>
           </p:sp>
         </mc:Choice>
-        <mc:Fallback xmlns="">
+        <mc:Fallback>
           <p:sp>
             <p:nvSpPr>
               <p:cNvPr id="3" name="Marcador de contenido 2">
@@ -24900,10 +25062,14 @@
               </p:nvPr>
             </p:nvSpPr>
             <p:spPr>
+              <a:xfrm>
+                <a:off x="1154954" y="2603500"/>
+                <a:ext cx="8825659" cy="2128756"/>
+              </a:xfrm>
               <a:blipFill>
                 <a:blip r:embed="rId2"/>
                 <a:stretch>
-                  <a:fillRect l="-138" t="-891"/>
+                  <a:fillRect l="-138" t="-1433"/>
                 </a:stretch>
               </a:blipFill>
             </p:spPr>
